--- a/topics/google-and-facebook.pptx
+++ b/topics/google-and-facebook.pptx
@@ -5,20 +5,21 @@
     <p:sldMasterId id="2147483648" r:id="rId1"/>
   </p:sldMasterIdLst>
   <p:notesMasterIdLst>
-    <p:notesMasterId r:id="rId13"/>
+    <p:notesMasterId r:id="rId14"/>
   </p:notesMasterIdLst>
   <p:sldIdLst>
     <p:sldId id="1298" r:id="rId2"/>
     <p:sldId id="1080" r:id="rId3"/>
     <p:sldId id="1547" r:id="rId4"/>
     <p:sldId id="1082" r:id="rId5"/>
-    <p:sldId id="1083" r:id="rId6"/>
-    <p:sldId id="1081" r:id="rId7"/>
-    <p:sldId id="1300" r:id="rId8"/>
-    <p:sldId id="1301" r:id="rId9"/>
-    <p:sldId id="1084" r:id="rId10"/>
-    <p:sldId id="1548" r:id="rId11"/>
-    <p:sldId id="1546" r:id="rId12"/>
+    <p:sldId id="1549" r:id="rId6"/>
+    <p:sldId id="1083" r:id="rId7"/>
+    <p:sldId id="1081" r:id="rId8"/>
+    <p:sldId id="1300" r:id="rId9"/>
+    <p:sldId id="1301" r:id="rId10"/>
+    <p:sldId id="1084" r:id="rId11"/>
+    <p:sldId id="1548" r:id="rId12"/>
+    <p:sldId id="1546" r:id="rId13"/>
   </p:sldIdLst>
   <p:sldSz cx="12192000" cy="6858000"/>
   <p:notesSz cx="6858000" cy="9144000"/>
@@ -117,6 +118,11 @@
       </a:defRPr>
     </a:lvl9pPr>
   </p:defaultTextStyle>
+  <p:extLst>
+    <p:ext uri="{EFAFB233-063F-42B5-8137-9DF3F51BA10A}">
+      <p15:sldGuideLst xmlns:p15="http://schemas.microsoft.com/office/powerpoint/2012/main"/>
+    </p:ext>
+  </p:extLst>
 </p:presentation>
 </file>
 
@@ -202,7 +208,7 @@
           <a:p>
             <a:fld id="{3279B7F5-C6C9-5C47-98B4-898F300BC2BB}" type="datetimeFigureOut">
               <a:rPr lang="en-US" smtClean="0"/>
-              <a:t>10/18/21</a:t>
+              <a:t>4/22/24</a:t>
             </a:fld>
             <a:endParaRPr lang="en-US"/>
           </a:p>
@@ -786,7 +792,7 @@
           <a:p>
             <a:fld id="{0503429B-3171-A94A-A6C2-AB80847CDA47}" type="slidenum">
               <a:rPr lang="en-US" smtClean="0"/>
-              <a:t>9</a:t>
+              <a:t>10</a:t>
             </a:fld>
             <a:endParaRPr lang="en-US"/>
           </a:p>
@@ -870,7 +876,7 @@
           <a:p>
             <a:fld id="{0503429B-3171-A94A-A6C2-AB80847CDA47}" type="slidenum">
               <a:rPr lang="en-US" smtClean="0"/>
-              <a:t>10</a:t>
+              <a:t>11</a:t>
             </a:fld>
             <a:endParaRPr lang="en-US"/>
           </a:p>
@@ -954,7 +960,7 @@
           <a:p>
             <a:fld id="{0503429B-3171-A94A-A6C2-AB80847CDA47}" type="slidenum">
               <a:rPr lang="en-US" smtClean="0"/>
-              <a:t>11</a:t>
+              <a:t>12</a:t>
             </a:fld>
             <a:endParaRPr lang="en-US"/>
           </a:p>
@@ -1120,7 +1126,7 @@
           <a:p>
             <a:fld id="{571D48ED-DBB7-1E43-8B42-4FAB5F41B06E}" type="datetimeFigureOut">
               <a:rPr lang="en-US" smtClean="0"/>
-              <a:t>10/18/21</a:t>
+              <a:t>4/22/24</a:t>
             </a:fld>
             <a:endParaRPr lang="en-US"/>
           </a:p>
@@ -1318,7 +1324,7 @@
           <a:p>
             <a:fld id="{571D48ED-DBB7-1E43-8B42-4FAB5F41B06E}" type="datetimeFigureOut">
               <a:rPr lang="en-US" smtClean="0"/>
-              <a:t>10/18/21</a:t>
+              <a:t>4/22/24</a:t>
             </a:fld>
             <a:endParaRPr lang="en-US"/>
           </a:p>
@@ -1526,7 +1532,7 @@
           <a:p>
             <a:fld id="{571D48ED-DBB7-1E43-8B42-4FAB5F41B06E}" type="datetimeFigureOut">
               <a:rPr lang="en-US" smtClean="0"/>
-              <a:t>10/18/21</a:t>
+              <a:t>4/22/24</a:t>
             </a:fld>
             <a:endParaRPr lang="en-US"/>
           </a:p>
@@ -1724,7 +1730,7 @@
           <a:p>
             <a:fld id="{571D48ED-DBB7-1E43-8B42-4FAB5F41B06E}" type="datetimeFigureOut">
               <a:rPr lang="en-US" smtClean="0"/>
-              <a:t>10/18/21</a:t>
+              <a:t>4/22/24</a:t>
             </a:fld>
             <a:endParaRPr lang="en-US"/>
           </a:p>
@@ -1999,7 +2005,7 @@
           <a:p>
             <a:fld id="{571D48ED-DBB7-1E43-8B42-4FAB5F41B06E}" type="datetimeFigureOut">
               <a:rPr lang="en-US" smtClean="0"/>
-              <a:t>10/18/21</a:t>
+              <a:t>4/22/24</a:t>
             </a:fld>
             <a:endParaRPr lang="en-US"/>
           </a:p>
@@ -2264,7 +2270,7 @@
           <a:p>
             <a:fld id="{571D48ED-DBB7-1E43-8B42-4FAB5F41B06E}" type="datetimeFigureOut">
               <a:rPr lang="en-US" smtClean="0"/>
-              <a:t>10/18/21</a:t>
+              <a:t>4/22/24</a:t>
             </a:fld>
             <a:endParaRPr lang="en-US"/>
           </a:p>
@@ -2676,7 +2682,7 @@
           <a:p>
             <a:fld id="{571D48ED-DBB7-1E43-8B42-4FAB5F41B06E}" type="datetimeFigureOut">
               <a:rPr lang="en-US" smtClean="0"/>
-              <a:t>10/18/21</a:t>
+              <a:t>4/22/24</a:t>
             </a:fld>
             <a:endParaRPr lang="en-US"/>
           </a:p>
@@ -2817,7 +2823,7 @@
           <a:p>
             <a:fld id="{571D48ED-DBB7-1E43-8B42-4FAB5F41B06E}" type="datetimeFigureOut">
               <a:rPr lang="en-US" smtClean="0"/>
-              <a:t>10/18/21</a:t>
+              <a:t>4/22/24</a:t>
             </a:fld>
             <a:endParaRPr lang="en-US"/>
           </a:p>
@@ -2930,7 +2936,7 @@
           <a:p>
             <a:fld id="{571D48ED-DBB7-1E43-8B42-4FAB5F41B06E}" type="datetimeFigureOut">
               <a:rPr lang="en-US" smtClean="0"/>
-              <a:t>10/18/21</a:t>
+              <a:t>4/22/24</a:t>
             </a:fld>
             <a:endParaRPr lang="en-US"/>
           </a:p>
@@ -3241,7 +3247,7 @@
           <a:p>
             <a:fld id="{571D48ED-DBB7-1E43-8B42-4FAB5F41B06E}" type="datetimeFigureOut">
               <a:rPr lang="en-US" smtClean="0"/>
-              <a:t>10/18/21</a:t>
+              <a:t>4/22/24</a:t>
             </a:fld>
             <a:endParaRPr lang="en-US"/>
           </a:p>
@@ -3529,7 +3535,7 @@
           <a:p>
             <a:fld id="{571D48ED-DBB7-1E43-8B42-4FAB5F41B06E}" type="datetimeFigureOut">
               <a:rPr lang="en-US" smtClean="0"/>
-              <a:t>10/18/21</a:t>
+              <a:t>4/22/24</a:t>
             </a:fld>
             <a:endParaRPr lang="en-US"/>
           </a:p>
@@ -3770,7 +3776,7 @@
           <a:p>
             <a:fld id="{571D48ED-DBB7-1E43-8B42-4FAB5F41B06E}" type="datetimeFigureOut">
               <a:rPr lang="en-US" smtClean="0"/>
-              <a:t>10/18/21</a:t>
+              <a:t>4/22/24</a:t>
             </a:fld>
             <a:endParaRPr lang="en-US"/>
           </a:p>
@@ -4280,6 +4286,139 @@
           <a:p>
             <a:r>
               <a:rPr lang="en-US" dirty="0"/>
+              <a:t>The Original Question</a:t>
+            </a:r>
+          </a:p>
+        </p:txBody>
+      </p:sp>
+      <p:sp>
+        <p:nvSpPr>
+          <p:cNvPr id="3" name="Content Placeholder 2">
+            <a:extLst>
+              <a:ext uri="{FF2B5EF4-FFF2-40B4-BE49-F238E27FC236}">
+                <a16:creationId xmlns:a16="http://schemas.microsoft.com/office/drawing/2014/main" id="{72EF5DE0-5958-4171-A9E3-3D288A31AC3F}"/>
+              </a:ext>
+            </a:extLst>
+          </p:cNvPr>
+          <p:cNvSpPr>
+            <a:spLocks noGrp="1"/>
+          </p:cNvSpPr>
+          <p:nvPr>
+            <p:ph idx="1"/>
+          </p:nvPr>
+        </p:nvSpPr>
+        <p:spPr>
+          <a:xfrm>
+            <a:off x="838200" y="1508140"/>
+            <a:ext cx="10515600" cy="4522519"/>
+          </a:xfrm>
+        </p:spPr>
+        <p:txBody>
+          <a:bodyPr>
+            <a:normAutofit/>
+          </a:bodyPr>
+          <a:lstStyle/>
+          <a:p>
+            <a:pPr marL="0" indent="0">
+              <a:buNone/>
+            </a:pPr>
+            <a:r>
+              <a:rPr lang="en-US" sz="2000" dirty="0"/>
+              <a:t>“Professor Pogue, Why don’t you put your videos on YouTube? It works great.” </a:t>
+            </a:r>
+          </a:p>
+          <a:p>
+            <a:pPr marL="0" indent="0">
+              <a:buNone/>
+            </a:pPr>
+            <a:r>
+              <a:rPr lang="en-US" sz="2000" dirty="0"/>
+              <a:t>-- </a:t>
+            </a:r>
+            <a:r>
+              <a:rPr lang="en-US" sz="2000" i="1" dirty="0"/>
+              <a:t>students from Lewis University </a:t>
+            </a:r>
+          </a:p>
+          <a:p>
+            <a:pPr marL="0" indent="0">
+              <a:buNone/>
+            </a:pPr>
+            <a:endParaRPr lang="en-US" sz="2000" i="1" dirty="0"/>
+          </a:p>
+          <a:p>
+            <a:pPr marL="0" indent="0">
+              <a:buNone/>
+            </a:pPr>
+            <a:r>
+              <a:rPr lang="en-US" sz="2000" dirty="0"/>
+              <a:t>The Response: </a:t>
+            </a:r>
+          </a:p>
+          <a:p>
+            <a:pPr marL="0" indent="0">
+              <a:buNone/>
+            </a:pPr>
+            <a:r>
+              <a:rPr lang="en-US" sz="2000" dirty="0"/>
+              <a:t>It makes me uncomfortable that Google and YouTube (and Facebook and Amazon) are all focused on getting more of your attention and I am enabling that by putting my content on YouTube. </a:t>
+            </a:r>
+          </a:p>
+        </p:txBody>
+      </p:sp>
+    </p:spTree>
+    <p:extLst>
+      <p:ext uri="{BB962C8B-B14F-4D97-AF65-F5344CB8AC3E}">
+        <p14:creationId xmlns:p14="http://schemas.microsoft.com/office/powerpoint/2010/main" val="2122884423"/>
+      </p:ext>
+    </p:extLst>
+  </p:cSld>
+  <p:clrMapOvr>
+    <a:masterClrMapping/>
+  </p:clrMapOvr>
+</p:sld>
+</file>
+
+<file path=ppt/slides/slide11.xml><?xml version="1.0" encoding="utf-8"?>
+<p:sld xmlns:a="http://schemas.openxmlformats.org/drawingml/2006/main" xmlns:r="http://schemas.openxmlformats.org/officeDocument/2006/relationships" xmlns:p="http://schemas.openxmlformats.org/presentationml/2006/main">
+  <p:cSld>
+    <p:spTree>
+      <p:nvGrpSpPr>
+        <p:cNvPr id="1" name=""/>
+        <p:cNvGrpSpPr/>
+        <p:nvPr/>
+      </p:nvGrpSpPr>
+      <p:grpSpPr>
+        <a:xfrm>
+          <a:off x="0" y="0"/>
+          <a:ext cx="0" cy="0"/>
+          <a:chOff x="0" y="0"/>
+          <a:chExt cx="0" cy="0"/>
+        </a:xfrm>
+      </p:grpSpPr>
+      <p:sp>
+        <p:nvSpPr>
+          <p:cNvPr id="2" name="Title 1">
+            <a:extLst>
+              <a:ext uri="{FF2B5EF4-FFF2-40B4-BE49-F238E27FC236}">
+                <a16:creationId xmlns:a16="http://schemas.microsoft.com/office/drawing/2014/main" id="{2A5755BE-860E-40EB-ADA6-6E82BCB49EC3}"/>
+              </a:ext>
+            </a:extLst>
+          </p:cNvPr>
+          <p:cNvSpPr>
+            <a:spLocks noGrp="1"/>
+          </p:cNvSpPr>
+          <p:nvPr>
+            <p:ph type="title"/>
+          </p:nvPr>
+        </p:nvSpPr>
+        <p:spPr/>
+        <p:txBody>
+          <a:bodyPr/>
+          <a:lstStyle/>
+          <a:p>
+            <a:r>
+              <a:rPr lang="en-US" dirty="0"/>
               <a:t>Update - October, 2021</a:t>
             </a:r>
           </a:p>
@@ -4366,7 +4505,7 @@
 </p:sld>
 </file>
 
-<file path=ppt/slides/slide11.xml><?xml version="1.0" encoding="utf-8"?>
+<file path=ppt/slides/slide12.xml><?xml version="1.0" encoding="utf-8"?>
 <p:sld xmlns:a="http://schemas.openxmlformats.org/drawingml/2006/main" xmlns:r="http://schemas.openxmlformats.org/officeDocument/2006/relationships" xmlns:p="http://schemas.openxmlformats.org/presentationml/2006/main">
   <p:cSld>
     <p:spTree>
@@ -4600,7 +4739,22 @@
             </a:pPr>
             <a:r>
               <a:rPr lang="en-US" sz="2000" dirty="0"/>
-              <a:t>It makes me uncomfortable that Google and YouTube (and Facebook and Amazon) are all focused on getting more of your attention and I am enabling that by putting my content on YouTube. </a:t>
+              <a:t>It makes me uncomfortable that Google and YouTube (and Facebook and Amazon) are all focused on getting more of your attention while I am trying to enable you to focus more on the content. I don’t like this because I would enable it by posting my content on YouTube. </a:t>
+            </a:r>
+          </a:p>
+          <a:p>
+            <a:pPr marL="0" indent="0">
+              <a:buNone/>
+            </a:pPr>
+            <a:endParaRPr lang="en-US" sz="2000" dirty="0"/>
+          </a:p>
+          <a:p>
+            <a:pPr marL="0" indent="0">
+              <a:buNone/>
+            </a:pPr>
+            <a:r>
+              <a:rPr lang="en-US" sz="2000" dirty="0"/>
+              <a:t>On the other hand, I would like the potential feedback I would receive from a larger, more diverse audience. </a:t>
             </a:r>
           </a:p>
         </p:txBody>
@@ -4867,69 +5021,45 @@
           <a:p>
             <a:r>
               <a:rPr lang="en-US" dirty="0"/>
-              <a:t>Quotes from “The Social Dilemma”</a:t>
-            </a:r>
-          </a:p>
-        </p:txBody>
-      </p:sp>
-      <p:sp>
-        <p:nvSpPr>
-          <p:cNvPr id="3" name="Content Placeholder 2">
-            <a:extLst>
-              <a:ext uri="{FF2B5EF4-FFF2-40B4-BE49-F238E27FC236}">
-                <a16:creationId xmlns:a16="http://schemas.microsoft.com/office/drawing/2014/main" id="{72EF5DE0-5958-4171-A9E3-3D288A31AC3F}"/>
-              </a:ext>
-            </a:extLst>
-          </p:cNvPr>
-          <p:cNvSpPr>
-            <a:spLocks noGrp="1"/>
-          </p:cNvSpPr>
-          <p:nvPr>
-            <p:ph idx="1"/>
-          </p:nvPr>
-        </p:nvSpPr>
+              <a:t>“The Social Dilemma” Documentary</a:t>
+            </a:r>
+          </a:p>
+        </p:txBody>
+      </p:sp>
+      <p:pic>
+        <p:nvPicPr>
+          <p:cNvPr id="6" name="Picture 5">
+            <a:extLst>
+              <a:ext uri="{FF2B5EF4-FFF2-40B4-BE49-F238E27FC236}">
+                <a16:creationId xmlns:a16="http://schemas.microsoft.com/office/drawing/2014/main" id="{559D492B-87BE-D2E2-4437-406A1ED3AD67}"/>
+              </a:ext>
+            </a:extLst>
+          </p:cNvPr>
+          <p:cNvPicPr>
+            <a:picLocks noChangeAspect="1"/>
+          </p:cNvPicPr>
+          <p:nvPr/>
+        </p:nvPicPr>
+        <p:blipFill>
+          <a:blip r:embed="rId2"/>
+          <a:stretch>
+            <a:fillRect/>
+          </a:stretch>
+        </p:blipFill>
         <p:spPr>
           <a:xfrm>
-            <a:off x="838200" y="1508140"/>
-            <a:ext cx="10515600" cy="4522519"/>
+            <a:off x="838200" y="1443678"/>
+            <a:ext cx="10515600" cy="5098816"/>
           </a:xfrm>
+          <a:prstGeom prst="rect">
+            <a:avLst/>
+          </a:prstGeom>
         </p:spPr>
-        <p:txBody>
-          <a:bodyPr>
-            <a:normAutofit/>
-          </a:bodyPr>
-          <a:lstStyle/>
-          <a:p>
-            <a:pPr marL="0" indent="0">
-              <a:buNone/>
-            </a:pPr>
-            <a:r>
-              <a:rPr lang="en-US" sz="2000" dirty="0"/>
-              <a:t>“We’ve created a world in which online connection has become primary. Especially for younger generations. And yet, in that world, </a:t>
-            </a:r>
-            <a:r>
-              <a:rPr lang="en-US" sz="2000" i="1" u="sng" dirty="0"/>
-              <a:t>anytime two people connect, the only way it’s financed is through a sneaky third person whose paying to manipulate those two people. </a:t>
-            </a:r>
-            <a:r>
-              <a:rPr lang="en-US" sz="2000" dirty="0"/>
-              <a:t>So we’ve created an entire global generation of people who were raised within a context with the very meaning of communication, the very meaning of culture, is manipulation.” - Jaron </a:t>
-            </a:r>
-            <a:r>
-              <a:rPr lang="en-US" sz="2000" dirty="0" err="1"/>
-              <a:t>Lainer</a:t>
-            </a:r>
-            <a:r>
-              <a:rPr lang="en-US" sz="2000" dirty="0"/>
-              <a:t>, founding father of Virtual Reality Computer Scientist</a:t>
-            </a:r>
-          </a:p>
-        </p:txBody>
-      </p:sp>
+      </p:pic>
     </p:spTree>
     <p:extLst>
       <p:ext uri="{BB962C8B-B14F-4D97-AF65-F5344CB8AC3E}">
-        <p14:creationId xmlns:p14="http://schemas.microsoft.com/office/powerpoint/2010/main" val="280578662"/>
+        <p14:creationId xmlns:p14="http://schemas.microsoft.com/office/powerpoint/2010/main" val="819566634"/>
       </p:ext>
     </p:extLst>
   </p:cSld>
@@ -5017,23 +5147,23 @@
             </a:pPr>
             <a:r>
               <a:rPr lang="en-US" sz="2000" dirty="0"/>
-              <a:t>“</a:t>
+              <a:t>“We’ve created a world in which online connection has become primary. Especially for younger generations. And yet, in that world, </a:t>
             </a:r>
             <a:r>
               <a:rPr lang="en-US" sz="2000" i="1" u="sng" dirty="0"/>
-              <a:t>If something is a tool, it genuinely is just sitting there, waiting patiently. </a:t>
+              <a:t>anytime two people connect, the only way it’s financed is through a sneaky third person whose paying to manipulate those two people. </a:t>
             </a:r>
             <a:r>
               <a:rPr lang="en-US" sz="2000" dirty="0"/>
-              <a:t>If something is not a tool it's demanding things from you. It's seducing you, it’s manipulating you, it wants things from you. We've moved away from a tools based technology environment, to an addiction and manipulation used technology environment. Social media isn't a tool waiting to be used. It has its own goals, and it has its own means of pursuing them by using your psychology against you.” - </a:t>
-            </a:r>
-            <a:r>
-              <a:rPr lang="en-US" sz="2000" i="1" dirty="0"/>
-              <a:t>Tristan Harris, former design ethicist at Google and co-founder of Centre for Humane Technologies</a:t>
+              <a:t>So we’ve created an entire global generation of people who were raised within a context with the very meaning of communication, the very meaning of culture, is manipulation.” - Jaron </a:t>
+            </a:r>
+            <a:r>
+              <a:rPr lang="en-US" sz="2000" dirty="0" err="1"/>
+              <a:t>Lainer</a:t>
             </a:r>
             <a:r>
               <a:rPr lang="en-US" sz="2000" dirty="0"/>
-              <a:t>‍</a:t>
+              <a:t>, founding father of Virtual Reality Computer Scientist</a:t>
             </a:r>
           </a:p>
         </p:txBody>
@@ -5041,7 +5171,7 @@
     </p:spTree>
     <p:extLst>
       <p:ext uri="{BB962C8B-B14F-4D97-AF65-F5344CB8AC3E}">
-        <p14:creationId xmlns:p14="http://schemas.microsoft.com/office/powerpoint/2010/main" val="24322115"/>
+        <p14:creationId xmlns:p14="http://schemas.microsoft.com/office/powerpoint/2010/main" val="280578662"/>
       </p:ext>
     </p:extLst>
   </p:cSld>
@@ -5129,34 +5259,31 @@
             </a:pPr>
             <a:r>
               <a:rPr lang="en-US" sz="2000" dirty="0"/>
-              <a:t>“We’re training and </a:t>
-            </a:r>
-            <a:r>
-              <a:rPr lang="en-US" sz="2000" u="sng" dirty="0"/>
-              <a:t>conditioning a whole new generation of people that when we are uncomfortable or lonely or uncertain or afraid</a:t>
+              <a:t>“</a:t>
+            </a:r>
+            <a:r>
+              <a:rPr lang="en-US" sz="2000" i="1" u="sng" dirty="0"/>
+              <a:t>If something is a tool, it genuinely is just sitting there, waiting patiently. </a:t>
             </a:r>
             <a:r>
               <a:rPr lang="en-US" sz="2000" dirty="0"/>
-              <a:t>, we have a digital pacifier for ourselves. That is kind of atrophying our own ability to deal with that.” - </a:t>
+              <a:t>If something is not a tool it's demanding things from you. It's seducing you, it’s manipulating you, it wants things from you. We've moved away from a tools based technology environment, to an addiction and manipulation used technology environment. Social media isn't a tool waiting to be used. It has its own goals, and it has its own means of pursuing them by using your psychology against you.” - </a:t>
             </a:r>
             <a:r>
               <a:rPr lang="en-US" sz="2000" i="1" dirty="0"/>
               <a:t>Tristan Harris, former design ethicist at Google and co-founder of Centre for Humane Technologies</a:t>
             </a:r>
-            <a:endParaRPr lang="en-US" sz="2000" dirty="0"/>
-          </a:p>
-          <a:p>
-            <a:pPr marL="0" indent="0">
-              <a:buNone/>
-            </a:pPr>
-            <a:endParaRPr lang="en-US" sz="2000" dirty="0"/>
+            <a:r>
+              <a:rPr lang="en-US" sz="2000" dirty="0"/>
+              <a:t>‍</a:t>
+            </a:r>
           </a:p>
         </p:txBody>
       </p:sp>
     </p:spTree>
     <p:extLst>
       <p:ext uri="{BB962C8B-B14F-4D97-AF65-F5344CB8AC3E}">
-        <p14:creationId xmlns:p14="http://schemas.microsoft.com/office/powerpoint/2010/main" val="1784229278"/>
+        <p14:creationId xmlns:p14="http://schemas.microsoft.com/office/powerpoint/2010/main" val="24322115"/>
       </p:ext>
     </p:extLst>
   </p:cSld>
@@ -5206,7 +5333,7 @@
           <a:p>
             <a:r>
               <a:rPr lang="en-US" dirty="0"/>
-              <a:t>Eric’s Opinion and Editorial Comments</a:t>
+              <a:t>Quotes from “The Social Dilemma”</a:t>
             </a:r>
           </a:p>
         </p:txBody>
@@ -5244,8 +5371,21 @@
             </a:pPr>
             <a:r>
               <a:rPr lang="en-US" sz="2000" dirty="0"/>
-              <a:t>We are polarizing viewpoints by providing individualized feeds that reinforce already held views and opinions. This reinforcement and polarization is a byproduct of the desire to gain a few more seconds of attention (or another click). </a:t>
-            </a:r>
+              <a:t>“We’re training and </a:t>
+            </a:r>
+            <a:r>
+              <a:rPr lang="en-US" sz="2000" u="sng" dirty="0"/>
+              <a:t>conditioning a whole new generation of people that when we are uncomfortable or lonely or uncertain or afraid</a:t>
+            </a:r>
+            <a:r>
+              <a:rPr lang="en-US" sz="2000" dirty="0"/>
+              <a:t>, we have a digital pacifier for ourselves. That is kind of atrophying our own ability to deal with that.” - </a:t>
+            </a:r>
+            <a:r>
+              <a:rPr lang="en-US" sz="2000" i="1" dirty="0"/>
+              <a:t>Tristan Harris, former design ethicist at Google and co-founder of Centre for Humane Technologies</a:t>
+            </a:r>
+            <a:endParaRPr lang="en-US" sz="2000" dirty="0"/>
           </a:p>
           <a:p>
             <a:pPr marL="0" indent="0">
@@ -5258,7 +5398,7 @@
     </p:spTree>
     <p:extLst>
       <p:ext uri="{BB962C8B-B14F-4D97-AF65-F5344CB8AC3E}">
-        <p14:creationId xmlns:p14="http://schemas.microsoft.com/office/powerpoint/2010/main" val="441608495"/>
+        <p14:creationId xmlns:p14="http://schemas.microsoft.com/office/powerpoint/2010/main" val="1784229278"/>
       </p:ext>
     </p:extLst>
   </p:cSld>
@@ -5308,7 +5448,7 @@
           <a:p>
             <a:r>
               <a:rPr lang="en-US" dirty="0"/>
-              <a:t>The Original Question</a:t>
+              <a:t>Eric’s Opinion and Editorial Comments</a:t>
             </a:r>
           </a:p>
         </p:txBody>
@@ -5346,52 +5486,21 @@
             </a:pPr>
             <a:r>
               <a:rPr lang="en-US" sz="2000" dirty="0"/>
-              <a:t>“Professor Pogue, Why don’t you put your videos on YouTube? It works great.” </a:t>
+              <a:t>We are polarizing viewpoints by providing individualized feeds that reinforce already held views and opinions. This reinforcement and polarization is a byproduct of the desire to gain a few more seconds of attention (or another click). </a:t>
             </a:r>
           </a:p>
           <a:p>
             <a:pPr marL="0" indent="0">
               <a:buNone/>
             </a:pPr>
-            <a:r>
-              <a:rPr lang="en-US" sz="2000" dirty="0"/>
-              <a:t>-- </a:t>
-            </a:r>
-            <a:r>
-              <a:rPr lang="en-US" sz="2000" i="1" dirty="0"/>
-              <a:t>students from Lewis University </a:t>
-            </a:r>
-          </a:p>
-          <a:p>
-            <a:pPr marL="0" indent="0">
-              <a:buNone/>
-            </a:pPr>
-            <a:endParaRPr lang="en-US" sz="2000" i="1" dirty="0"/>
-          </a:p>
-          <a:p>
-            <a:pPr marL="0" indent="0">
-              <a:buNone/>
-            </a:pPr>
-            <a:r>
-              <a:rPr lang="en-US" sz="2000" dirty="0"/>
-              <a:t>The Response: </a:t>
-            </a:r>
-          </a:p>
-          <a:p>
-            <a:pPr marL="0" indent="0">
-              <a:buNone/>
-            </a:pPr>
-            <a:r>
-              <a:rPr lang="en-US" sz="2000" dirty="0"/>
-              <a:t>It makes me uncomfortable that Google and YouTube (and Facebook and Amazon) are all focused on getting more of your attention and I am enabling that by putting my content on YouTube. </a:t>
-            </a:r>
+            <a:endParaRPr lang="en-US" sz="2000" dirty="0"/>
           </a:p>
         </p:txBody>
       </p:sp>
     </p:spTree>
     <p:extLst>
       <p:ext uri="{BB962C8B-B14F-4D97-AF65-F5344CB8AC3E}">
-        <p14:creationId xmlns:p14="http://schemas.microsoft.com/office/powerpoint/2010/main" val="2122884423"/>
+        <p14:creationId xmlns:p14="http://schemas.microsoft.com/office/powerpoint/2010/main" val="441608495"/>
       </p:ext>
     </p:extLst>
   </p:cSld>
